--- a/Questions/Question_4/Question_4.pptx
+++ b/Questions/Question_4/Question_4.pptx
@@ -12,7 +12,6 @@
     <p:sldId id="260" r:id="rId6"/>
     <p:sldId id="261" r:id="rId7"/>
     <p:sldId id="262" r:id="rId8"/>
-    <p:sldId id="263" r:id="rId9"/>
   </p:sldIdLst>
   <p:sldSz cx="9144000" cy="5143500" type="screen16x9"/>
   <p:notesSz cx="6858000" cy="9144000"/>
@@ -3233,7 +3232,7 @@
       </p:sp>
       <p:graphicFrame xmlns:a="http://schemas.openxmlformats.org/drawingml/2006/main" xmlns:r="http://schemas.openxmlformats.org/officeDocument/2006/relationships" xmlns:p="http://schemas.openxmlformats.org/presentationml/2006/main">
         <p:nvGraphicFramePr>
-          <p:cNvPr id="39562457" name=""/>
+          <p:cNvPr id="626975151" name=""/>
           <p:cNvGraphicFramePr>
             <a:graphicFrameLocks noGrp="true"/>
           </p:cNvGraphicFramePr>
@@ -4640,264 +4639,9 @@
             <a:pPr lvl="0" indent="0" marL="0">
               <a:buNone/>
             </a:pPr>
-          </a:p>
-          <a:p>
-            <a:pPr lvl="0" indent="0">
-              <a:buNone/>
-            </a:pPr>
-            <a:r>
-              <a:rPr>
-                <a:latin typeface="Courier"/>
-              </a:rPr>
-              <a:t>## $xlog
-## [1] FALSE
-## 
-## $ylog
-## [1] FALSE
-## 
-## $adj
-## [1] 0.5
-## 
-## $ann
-## [1] TRUE
-## 
-## $ask
-## [1] FALSE
-## 
-## $bg
-## [1] "white"
-## 
-## $bty
-## [1] "o"
-## 
-## $cex
-## [1] 1
-## 
-## $cex.axis
-## [1] 1
-## 
-## $cex.lab
-## [1] 1
-## 
-## $cex.main
-## [1] 1.2
-## 
-## $cex.sub
-## [1] 1
-## 
-## $col
-## [1] "black"
-## 
-## $col.axis
-## [1] "black"
-## 
-## $col.lab
-## [1] "black"
-## 
-## $col.main
-## [1] "black"
-## 
-## $col.sub
-## [1] "black"
-## 
-## $crt
-## [1] 0
-## 
-## $err
-## [1] 0
-## 
-## $family
-## [1] ""
-## 
-## $fg
-## [1] "black"
-## 
-## $fig
-## [1] 0.0000000 1.0000000 0.0000000 0.1428571
-## 
-## $fin
-## [1] 4.999999 3.999999
-## 
-## $font
-## [1] 1
-## 
-## $font.axis
-## [1] 1
-## 
-## $font.lab
-## [1] 1
-## 
-## $font.main
-## [1] 2
-## 
-## $font.sub
-## [1] 1
-## 
-## $lab
-## [1] 5 5 7
-## 
-## $las
-## [1] 0
-## 
-## $lend
-## [1] "round"
-## 
-## $lheight
-## [1] 1
-## 
-## $ljoin
-## [1] "round"
-## 
-## $lmitre
-## [1] 10
-## 
-## $lty
-## [1] "solid"
-## 
-## $lwd
-## [1] 1
-## 
-## $mai
-## [1] 0.02 0.42 0.02 0.22
-## 
-## $mar
-## [1] 5.1 4.1 4.1 2.1
-## 
-## $mex
-## [1] 1
-## 
-## $mfcol
-## [1] 1 1
-## 
-## $mfg
-## [1] 1 1 1 1
-## 
-## $mfrow
-## [1] 1 1
-## 
-## $mgp
-## [1] 3 1 0
-## 
-## $mkh
-## [1] 0.001
-## 
-## $new
-## [1] TRUE
-## 
-## $oma
-## [1] 0 0 0 0
-## 
-## $omd
-## [1] 0 1 0 1
-## 
-## $omi
-## [1] 0 0 0 0
-## 
-## $pch
-## [1] 1
-## 
-## $pin
-## [1] 3.759999 2.159999
-## 
-## $plt
-## [1] 0.1240000 0.8760000 0.2300001 0.7699999
-## 
-## $ps
-## [1] 12
-## 
-## $pty
-## [1] "m"
-## 
-## $smo
-## [1] 1
-## 
-## $srt
-## [1] 0
-## 
-## $tck
-## [1] NA
-## 
-## $tcl
-## [1] -0.5
-## 
-## $usr
-## [1] -0.04  1.04 -0.04  1.04
-## 
-## $xaxp
-## [1] 0 1 5
-## 
-## $xaxs
-## [1] "r"
-## 
-## $xaxt
-## [1] "s"
-## 
-## $xpd
-## [1] FALSE
-## 
-## $yaxp
-## [1] 0 1 5
-## 
-## $yaxs
-## [1] "r"
-## 
-## $yaxt
-## [1] "s"
-## 
-## $ylbias
-## [1] 0.2</a:t>
-            </a:r>
-          </a:p>
-        </p:txBody>
-      </p:sp>
-    </p:spTree>
-  </p:cSld>
-</p:sld>
-</file>
-
-<file path=ppt/slides/slide8.xml><?xml version="1.0" encoding="utf-8"?>
-<p:sld xmlns:a="http://schemas.openxmlformats.org/drawingml/2006/main" xmlns:r="http://schemas.openxmlformats.org/officeDocument/2006/relationships" xmlns:p="http://schemas.openxmlformats.org/presentationml/2006/main">
-  <p:cSld>
-    <p:spTree>
-      <p:nvGrpSpPr>
-        <p:cNvPr id="1" name=""/>
-        <p:cNvGrpSpPr/>
-        <p:nvPr/>
-      </p:nvGrpSpPr>
-      <p:grpSpPr>
-        <a:xfrm>
-          <a:off x="0" y="0"/>
-          <a:ext cx="0" cy="0"/>
-          <a:chOff x="0" y="0"/>
-          <a:chExt cx="0" cy="0"/>
-        </a:xfrm>
-      </p:grpSpPr>
-      <p:sp>
-        <p:nvSpPr>
-          <p:cNvPr id="2" name="Title 1"/>
-          <p:cNvSpPr>
-            <a:spLocks noGrp="1"/>
-          </p:cNvSpPr>
-          <p:nvPr>
-            <p:ph type="title"/>
-          </p:nvPr>
-        </p:nvSpPr>
-        <p:spPr>
-          <a:xfrm>
-            <a:off x="722313" y="3305176"/>
-            <a:ext cx="7772400" cy="1021556"/>
-          </a:xfrm>
-        </p:spPr>
-        <p:txBody>
-          <a:bodyPr/>
-          <a:lstStyle/>
-          <a:p>
-            <a:pPr lvl="0" indent="0" marL="0">
-              <a:buNone/>
-            </a:pPr>
             <a:r>
               <a:rPr/>
-              <a:t>End</a:t>
+              <a:t> ## End</a:t>
             </a:r>
           </a:p>
         </p:txBody>

--- a/Questions/Question_4/Question_4.pptx
+++ b/Questions/Question_4/Question_4.pptx
@@ -11,7 +11,6 @@
     <p:sldId id="259" r:id="rId5"/>
     <p:sldId id="260" r:id="rId6"/>
     <p:sldId id="261" r:id="rId7"/>
-    <p:sldId id="262" r:id="rId8"/>
   </p:sldIdLst>
   <p:sldSz cx="9144000" cy="5143500" type="screen16x9"/>
   <p:notesSz cx="6858000" cy="9144000"/>
@@ -3232,7 +3231,7 @@
       </p:sp>
       <p:graphicFrame xmlns:a="http://schemas.openxmlformats.org/drawingml/2006/main" xmlns:r="http://schemas.openxmlformats.org/officeDocument/2006/relationships" xmlns:p="http://schemas.openxmlformats.org/presentationml/2006/main">
         <p:nvGraphicFramePr>
-          <p:cNvPr id="626975151" name=""/>
+          <p:cNvPr id="417367696" name=""/>
           <p:cNvGraphicFramePr>
             <a:graphicFrameLocks noGrp="true"/>
           </p:cNvGraphicFramePr>
@@ -4599,53 +4598,6 @@
           </a:ln>
         </p:spPr>
       </p:pic>
-    </p:spTree>
-  </p:cSld>
-</p:sld>
-</file>
-
-<file path=ppt/slides/slide7.xml><?xml version="1.0" encoding="utf-8"?>
-<p:sld xmlns:a="http://schemas.openxmlformats.org/drawingml/2006/main" xmlns:r="http://schemas.openxmlformats.org/officeDocument/2006/relationships" xmlns:p="http://schemas.openxmlformats.org/presentationml/2006/main">
-  <p:cSld>
-    <p:spTree>
-      <p:nvGrpSpPr>
-        <p:cNvPr id="1" name=""/>
-        <p:cNvGrpSpPr/>
-        <p:nvPr/>
-      </p:nvGrpSpPr>
-      <p:grpSpPr>
-        <a:xfrm>
-          <a:off x="0" y="0"/>
-          <a:ext cx="0" cy="0"/>
-          <a:chOff x="0" y="0"/>
-          <a:chExt cx="0" cy="0"/>
-        </a:xfrm>
-      </p:grpSpPr>
-      <p:sp>
-        <p:nvSpPr>
-          <p:cNvPr id="3" name="Content Placeholder 2"/>
-          <p:cNvSpPr>
-            <a:spLocks noGrp="1"/>
-          </p:cNvSpPr>
-          <p:nvPr>
-            <p:ph idx="1"/>
-          </p:nvPr>
-        </p:nvSpPr>
-        <p:spPr/>
-        <p:txBody>
-          <a:bodyPr/>
-          <a:lstStyle/>
-          <a:p>
-            <a:pPr lvl="0" indent="0" marL="0">
-              <a:buNone/>
-            </a:pPr>
-            <a:r>
-              <a:rPr/>
-              <a:t> ## End</a:t>
-            </a:r>
-          </a:p>
-        </p:txBody>
-      </p:sp>
     </p:spTree>
   </p:cSld>
 </p:sld>
